--- a/Class Slides Fall 2024/Class 6.pptx
+++ b/Class Slides Fall 2024/Class 6.pptx
@@ -5,19 +5,20 @@
     <p:sldMasterId id="2147483648" r:id="rId1"/>
   </p:sldMasterIdLst>
   <p:notesMasterIdLst>
-    <p:notesMasterId r:id="rId12"/>
+    <p:notesMasterId r:id="rId13"/>
   </p:notesMasterIdLst>
   <p:sldIdLst>
     <p:sldId id="256" r:id="rId2"/>
-    <p:sldId id="257" r:id="rId3"/>
-    <p:sldId id="265" r:id="rId4"/>
-    <p:sldId id="258" r:id="rId5"/>
-    <p:sldId id="259" r:id="rId6"/>
-    <p:sldId id="260" r:id="rId7"/>
-    <p:sldId id="261" r:id="rId8"/>
-    <p:sldId id="262" r:id="rId9"/>
-    <p:sldId id="263" r:id="rId10"/>
-    <p:sldId id="264" r:id="rId11"/>
+    <p:sldId id="266" r:id="rId3"/>
+    <p:sldId id="257" r:id="rId4"/>
+    <p:sldId id="265" r:id="rId5"/>
+    <p:sldId id="258" r:id="rId6"/>
+    <p:sldId id="259" r:id="rId7"/>
+    <p:sldId id="260" r:id="rId8"/>
+    <p:sldId id="261" r:id="rId9"/>
+    <p:sldId id="262" r:id="rId10"/>
+    <p:sldId id="263" r:id="rId11"/>
+    <p:sldId id="264" r:id="rId12"/>
   </p:sldIdLst>
   <p:sldSz cx="12192000" cy="6858000"/>
   <p:notesSz cx="7102475" cy="9388475"/>
@@ -206,7 +207,7 @@
           <a:p>
             <a:fld id="{6E0855E8-6030-425E-AD5A-E8A6F1633C7C}" type="datetimeFigureOut">
               <a:rPr lang="en-US" smtClean="0"/>
-              <a:t>10/7/2024</a:t>
+              <a:t>9/28/2025</a:t>
             </a:fld>
             <a:endParaRPr lang="en-US"/>
           </a:p>
@@ -620,7 +621,7 @@
           <a:p>
             <a:fld id="{2031FF97-7202-4846-BECC-3E8C42FA3EFA}" type="datetimeFigureOut">
               <a:rPr lang="en-US" smtClean="0"/>
-              <a:t>10/7/2024</a:t>
+              <a:t>9/28/2025</a:t>
             </a:fld>
             <a:endParaRPr lang="en-US"/>
           </a:p>
@@ -818,7 +819,7 @@
           <a:p>
             <a:fld id="{2031FF97-7202-4846-BECC-3E8C42FA3EFA}" type="datetimeFigureOut">
               <a:rPr lang="en-US" smtClean="0"/>
-              <a:t>10/7/2024</a:t>
+              <a:t>9/28/2025</a:t>
             </a:fld>
             <a:endParaRPr lang="en-US"/>
           </a:p>
@@ -1026,7 +1027,7 @@
           <a:p>
             <a:fld id="{2031FF97-7202-4846-BECC-3E8C42FA3EFA}" type="datetimeFigureOut">
               <a:rPr lang="en-US" smtClean="0"/>
-              <a:t>10/7/2024</a:t>
+              <a:t>9/28/2025</a:t>
             </a:fld>
             <a:endParaRPr lang="en-US"/>
           </a:p>
@@ -1224,7 +1225,7 @@
           <a:p>
             <a:fld id="{2031FF97-7202-4846-BECC-3E8C42FA3EFA}" type="datetimeFigureOut">
               <a:rPr lang="en-US" smtClean="0"/>
-              <a:t>10/7/2024</a:t>
+              <a:t>9/28/2025</a:t>
             </a:fld>
             <a:endParaRPr lang="en-US"/>
           </a:p>
@@ -1499,7 +1500,7 @@
           <a:p>
             <a:fld id="{2031FF97-7202-4846-BECC-3E8C42FA3EFA}" type="datetimeFigureOut">
               <a:rPr lang="en-US" smtClean="0"/>
-              <a:t>10/7/2024</a:t>
+              <a:t>9/28/2025</a:t>
             </a:fld>
             <a:endParaRPr lang="en-US"/>
           </a:p>
@@ -1764,7 +1765,7 @@
           <a:p>
             <a:fld id="{2031FF97-7202-4846-BECC-3E8C42FA3EFA}" type="datetimeFigureOut">
               <a:rPr lang="en-US" smtClean="0"/>
-              <a:t>10/7/2024</a:t>
+              <a:t>9/28/2025</a:t>
             </a:fld>
             <a:endParaRPr lang="en-US"/>
           </a:p>
@@ -2176,7 +2177,7 @@
           <a:p>
             <a:fld id="{2031FF97-7202-4846-BECC-3E8C42FA3EFA}" type="datetimeFigureOut">
               <a:rPr lang="en-US" smtClean="0"/>
-              <a:t>10/7/2024</a:t>
+              <a:t>9/28/2025</a:t>
             </a:fld>
             <a:endParaRPr lang="en-US"/>
           </a:p>
@@ -2317,7 +2318,7 @@
           <a:p>
             <a:fld id="{2031FF97-7202-4846-BECC-3E8C42FA3EFA}" type="datetimeFigureOut">
               <a:rPr lang="en-US" smtClean="0"/>
-              <a:t>10/7/2024</a:t>
+              <a:t>9/28/2025</a:t>
             </a:fld>
             <a:endParaRPr lang="en-US"/>
           </a:p>
@@ -2430,7 +2431,7 @@
           <a:p>
             <a:fld id="{2031FF97-7202-4846-BECC-3E8C42FA3EFA}" type="datetimeFigureOut">
               <a:rPr lang="en-US" smtClean="0"/>
-              <a:t>10/7/2024</a:t>
+              <a:t>9/28/2025</a:t>
             </a:fld>
             <a:endParaRPr lang="en-US"/>
           </a:p>
@@ -2741,7 +2742,7 @@
           <a:p>
             <a:fld id="{2031FF97-7202-4846-BECC-3E8C42FA3EFA}" type="datetimeFigureOut">
               <a:rPr lang="en-US" smtClean="0"/>
-              <a:t>10/7/2024</a:t>
+              <a:t>9/28/2025</a:t>
             </a:fld>
             <a:endParaRPr lang="en-US"/>
           </a:p>
@@ -3029,7 +3030,7 @@
           <a:p>
             <a:fld id="{2031FF97-7202-4846-BECC-3E8C42FA3EFA}" type="datetimeFigureOut">
               <a:rPr lang="en-US" smtClean="0"/>
-              <a:t>10/7/2024</a:t>
+              <a:t>9/28/2025</a:t>
             </a:fld>
             <a:endParaRPr lang="en-US"/>
           </a:p>
@@ -3270,7 +3271,7 @@
           <a:p>
             <a:fld id="{2031FF97-7202-4846-BECC-3E8C42FA3EFA}" type="datetimeFigureOut">
               <a:rPr lang="en-US" smtClean="0"/>
-              <a:t>10/7/2024</a:t>
+              <a:t>9/28/2025</a:t>
             </a:fld>
             <a:endParaRPr lang="en-US"/>
           </a:p>
@@ -3710,7 +3711,7 @@
           <a:p>
             <a:r>
               <a:rPr lang="en-US" dirty="0"/>
-              <a:t>205 Oct 7, Class 6</a:t>
+              <a:t>301 Oct 1, Class 7</a:t>
             </a:r>
           </a:p>
         </p:txBody>
@@ -3738,7 +3739,7 @@
           <a:p>
             <a:r>
               <a:rPr lang="en-US" dirty="0"/>
-              <a:t>Chapter 5, Statistics</a:t>
+              <a:t>Chapter 6, Statistics</a:t>
             </a:r>
           </a:p>
           <a:p>
@@ -3830,6 +3831,144 @@
           <p:cNvPr id="2" name="Title 1">
             <a:extLst>
               <a:ext uri="{FF2B5EF4-FFF2-40B4-BE49-F238E27FC236}">
+                <a16:creationId xmlns:a16="http://schemas.microsoft.com/office/drawing/2014/main" id="{27675538-7CF1-4357-B9AF-215330F8A751}"/>
+              </a:ext>
+            </a:extLst>
+          </p:cNvPr>
+          <p:cNvSpPr>
+            <a:spLocks noGrp="1"/>
+          </p:cNvSpPr>
+          <p:nvPr>
+            <p:ph type="title"/>
+          </p:nvPr>
+        </p:nvSpPr>
+        <p:spPr/>
+        <p:txBody>
+          <a:bodyPr/>
+          <a:lstStyle/>
+          <a:p>
+            <a:r>
+              <a:rPr lang="en-US" dirty="0"/>
+              <a:t>Making a figure</a:t>
+            </a:r>
+          </a:p>
+        </p:txBody>
+      </p:sp>
+      <p:sp>
+        <p:nvSpPr>
+          <p:cNvPr id="3" name="Content Placeholder 2">
+            <a:extLst>
+              <a:ext uri="{FF2B5EF4-FFF2-40B4-BE49-F238E27FC236}">
+                <a16:creationId xmlns:a16="http://schemas.microsoft.com/office/drawing/2014/main" id="{A1983F20-FDBA-15D3-E599-F84D0926F1AE}"/>
+              </a:ext>
+            </a:extLst>
+          </p:cNvPr>
+          <p:cNvSpPr>
+            <a:spLocks noGrp="1"/>
+          </p:cNvSpPr>
+          <p:nvPr>
+            <p:ph idx="1"/>
+          </p:nvPr>
+        </p:nvSpPr>
+        <p:spPr/>
+        <p:txBody>
+          <a:bodyPr/>
+          <a:lstStyle/>
+          <a:p>
+            <a:r>
+              <a:rPr lang="en-US" dirty="0"/>
+              <a:t>Back to Excel</a:t>
+            </a:r>
+          </a:p>
+          <a:p>
+            <a:r>
+              <a:rPr lang="en-US" dirty="0"/>
+              <a:t>Getting a basic graph is straightforward</a:t>
+            </a:r>
+          </a:p>
+          <a:p>
+            <a:r>
+              <a:rPr lang="en-US" dirty="0"/>
+              <a:t>Necessary edits</a:t>
+            </a:r>
+          </a:p>
+          <a:p>
+            <a:pPr lvl="1"/>
+            <a:r>
+              <a:rPr lang="en-US" dirty="0"/>
+              <a:t>Label the y-axis</a:t>
+            </a:r>
+          </a:p>
+          <a:p>
+            <a:pPr lvl="1"/>
+            <a:r>
+              <a:rPr lang="en-US" dirty="0"/>
+              <a:t>Add SE bars</a:t>
+            </a:r>
+          </a:p>
+          <a:p>
+            <a:r>
+              <a:rPr lang="en-US" dirty="0"/>
+              <a:t>Recommended edits</a:t>
+            </a:r>
+          </a:p>
+          <a:p>
+            <a:pPr lvl="1"/>
+            <a:r>
+              <a:rPr lang="en-US" dirty="0"/>
+              <a:t>Remove title, gridlines</a:t>
+            </a:r>
+          </a:p>
+          <a:p>
+            <a:r>
+              <a:rPr lang="en-US" dirty="0"/>
+              <a:t>Optional edits</a:t>
+            </a:r>
+          </a:p>
+          <a:p>
+            <a:pPr lvl="1"/>
+            <a:r>
+              <a:rPr lang="en-US" dirty="0"/>
+              <a:t>Colors, layout, design</a:t>
+            </a:r>
+          </a:p>
+        </p:txBody>
+      </p:sp>
+    </p:spTree>
+    <p:extLst>
+      <p:ext uri="{BB962C8B-B14F-4D97-AF65-F5344CB8AC3E}">
+        <p14:creationId xmlns:p14="http://schemas.microsoft.com/office/powerpoint/2010/main" val="3452431572"/>
+      </p:ext>
+    </p:extLst>
+  </p:cSld>
+  <p:clrMapOvr>
+    <a:masterClrMapping/>
+  </p:clrMapOvr>
+</p:sld>
+</file>
+
+<file path=ppt/slides/slide11.xml><?xml version="1.0" encoding="utf-8"?>
+<p:sld xmlns:a="http://schemas.openxmlformats.org/drawingml/2006/main" xmlns:r="http://schemas.openxmlformats.org/officeDocument/2006/relationships" xmlns:p="http://schemas.openxmlformats.org/presentationml/2006/main">
+  <p:cSld>
+    <p:spTree>
+      <p:nvGrpSpPr>
+        <p:cNvPr id="1" name=""/>
+        <p:cNvGrpSpPr/>
+        <p:nvPr/>
+      </p:nvGrpSpPr>
+      <p:grpSpPr>
+        <a:xfrm>
+          <a:off x="0" y="0"/>
+          <a:ext cx="0" cy="0"/>
+          <a:chOff x="0" y="0"/>
+          <a:chExt cx="0" cy="0"/>
+        </a:xfrm>
+      </p:grpSpPr>
+      <p:sp>
+        <p:nvSpPr>
+          <p:cNvPr id="2" name="Title 1">
+            <a:extLst>
+              <a:ext uri="{FF2B5EF4-FFF2-40B4-BE49-F238E27FC236}">
                 <a16:creationId xmlns:a16="http://schemas.microsoft.com/office/drawing/2014/main" id="{E18424B1-5277-82A6-85F2-2AF1DDCB869C}"/>
               </a:ext>
             </a:extLst>
@@ -3876,7 +4015,7 @@
           <a:p>
             <a:r>
               <a:rPr lang="en-US" dirty="0"/>
-              <a:t>Chapter 7, Within-participants design</a:t>
+              <a:t>Chapter 7, APA format writing</a:t>
             </a:r>
           </a:p>
           <a:p>
@@ -3884,26 +4023,6 @@
           </a:p>
           <a:p>
             <a:endParaRPr lang="en-US" dirty="0"/>
-          </a:p>
-          <a:p>
-            <a:r>
-              <a:rPr lang="en-US" dirty="0"/>
-              <a:t>Start drafting your first writeup (Chapter 6)</a:t>
-            </a:r>
-          </a:p>
-          <a:p>
-            <a:pPr lvl="1"/>
-            <a:r>
-              <a:rPr lang="en-US" dirty="0"/>
-              <a:t>Write your results section</a:t>
-            </a:r>
-          </a:p>
-          <a:p>
-            <a:pPr lvl="2"/>
-            <a:r>
-              <a:rPr lang="en-US" dirty="0"/>
-              <a:t>Add your figure including caption/note</a:t>
-            </a:r>
           </a:p>
         </p:txBody>
       </p:sp>
@@ -3942,7 +4061,7 @@
           <p:cNvPr id="2" name="Title 1">
             <a:extLst>
               <a:ext uri="{FF2B5EF4-FFF2-40B4-BE49-F238E27FC236}">
-                <a16:creationId xmlns:a16="http://schemas.microsoft.com/office/drawing/2014/main" id="{685EAD52-338E-9931-F4EF-FBE3A64B8874}"/>
+                <a16:creationId xmlns:a16="http://schemas.microsoft.com/office/drawing/2014/main" id="{7CB455B1-C5EB-CCAE-FB70-1D474B6753F6}"/>
               </a:ext>
             </a:extLst>
           </p:cNvPr>
@@ -3960,7 +4079,7 @@
           <a:p>
             <a:r>
               <a:rPr lang="en-US" dirty="0"/>
-              <a:t>Descriptive statistics for Exp 1</a:t>
+              <a:t>Homework questions</a:t>
             </a:r>
           </a:p>
         </p:txBody>
@@ -3970,7 +4089,7 @@
           <p:cNvPr id="3" name="Content Placeholder 2">
             <a:extLst>
               <a:ext uri="{FF2B5EF4-FFF2-40B4-BE49-F238E27FC236}">
-                <a16:creationId xmlns:a16="http://schemas.microsoft.com/office/drawing/2014/main" id="{EDA327AF-FC4F-EAA9-14B5-EF74887CE098}"/>
+                <a16:creationId xmlns:a16="http://schemas.microsoft.com/office/drawing/2014/main" id="{B9C75FC0-E60F-CE1C-D025-4820230D8E14}"/>
               </a:ext>
             </a:extLst>
           </p:cNvPr>
@@ -3983,90 +4102,17 @@
         </p:nvSpPr>
         <p:spPr/>
         <p:txBody>
-          <a:bodyPr>
-            <a:normAutofit lnSpcReduction="10000"/>
-          </a:bodyPr>
-          <a:lstStyle/>
-          <a:p>
-            <a:r>
-              <a:rPr lang="en-US" dirty="0"/>
-              <a:t>Working with spreadsheets</a:t>
-            </a:r>
-          </a:p>
-          <a:p>
-            <a:pPr lvl="1"/>
-            <a:r>
-              <a:rPr lang="en-US" dirty="0"/>
-              <a:t>Selecting cells, selecting ranges, entering formulas</a:t>
-            </a:r>
-          </a:p>
-          <a:p>
-            <a:r>
-              <a:rPr lang="en-US" dirty="0"/>
-              <a:t>Mean</a:t>
-            </a:r>
-          </a:p>
-          <a:p>
-            <a:pPr lvl="1"/>
-            <a:r>
-              <a:rPr lang="en-US" dirty="0"/>
-              <a:t>=average()</a:t>
-            </a:r>
-          </a:p>
-          <a:p>
-            <a:r>
-              <a:rPr lang="en-US" dirty="0"/>
-              <a:t>Standard deviation</a:t>
-            </a:r>
-          </a:p>
-          <a:p>
-            <a:pPr lvl="1"/>
-            <a:r>
-              <a:rPr lang="en-US" dirty="0"/>
-              <a:t>=</a:t>
-            </a:r>
-            <a:r>
-              <a:rPr lang="en-US" dirty="0" err="1"/>
-              <a:t>stdev.s</a:t>
-            </a:r>
-            <a:r>
-              <a:rPr lang="en-US" dirty="0"/>
-              <a:t>()</a:t>
-            </a:r>
-          </a:p>
-          <a:p>
-            <a:r>
-              <a:rPr lang="en-US" dirty="0"/>
-              <a:t>Standard error</a:t>
-            </a:r>
-          </a:p>
-          <a:p>
-            <a:pPr lvl="1"/>
-            <a:r>
-              <a:rPr lang="en-US" dirty="0"/>
-              <a:t>SD/sqrt(n)</a:t>
-            </a:r>
-          </a:p>
-          <a:p>
-            <a:pPr lvl="1"/>
-            <a:r>
-              <a:rPr lang="en-US" dirty="0"/>
-              <a:t>Counting n</a:t>
-            </a:r>
-          </a:p>
-          <a:p>
-            <a:pPr lvl="1"/>
-            <a:r>
-              <a:rPr lang="en-US" dirty="0"/>
-              <a:t>Building a formula</a:t>
-            </a:r>
+          <a:bodyPr/>
+          <a:lstStyle/>
+          <a:p>
+            <a:endParaRPr lang="en-US" dirty="0"/>
           </a:p>
         </p:txBody>
       </p:sp>
     </p:spTree>
     <p:extLst>
       <p:ext uri="{BB962C8B-B14F-4D97-AF65-F5344CB8AC3E}">
-        <p14:creationId xmlns:p14="http://schemas.microsoft.com/office/powerpoint/2010/main" val="835793293"/>
+        <p14:creationId xmlns:p14="http://schemas.microsoft.com/office/powerpoint/2010/main" val="1854274351"/>
       </p:ext>
     </p:extLst>
   </p:cSld>
@@ -4093,6 +4139,162 @@
           <a:chExt cx="0" cy="0"/>
         </a:xfrm>
       </p:grpSpPr>
+      <p:sp>
+        <p:nvSpPr>
+          <p:cNvPr id="2" name="Title 1">
+            <a:extLst>
+              <a:ext uri="{FF2B5EF4-FFF2-40B4-BE49-F238E27FC236}">
+                <a16:creationId xmlns:a16="http://schemas.microsoft.com/office/drawing/2014/main" id="{685EAD52-338E-9931-F4EF-FBE3A64B8874}"/>
+              </a:ext>
+            </a:extLst>
+          </p:cNvPr>
+          <p:cNvSpPr>
+            <a:spLocks noGrp="1"/>
+          </p:cNvSpPr>
+          <p:nvPr>
+            <p:ph type="title"/>
+          </p:nvPr>
+        </p:nvSpPr>
+        <p:spPr/>
+        <p:txBody>
+          <a:bodyPr/>
+          <a:lstStyle/>
+          <a:p>
+            <a:r>
+              <a:rPr lang="en-US" dirty="0"/>
+              <a:t>Descriptive statistics for Exp 1</a:t>
+            </a:r>
+          </a:p>
+        </p:txBody>
+      </p:sp>
+      <p:sp>
+        <p:nvSpPr>
+          <p:cNvPr id="3" name="Content Placeholder 2">
+            <a:extLst>
+              <a:ext uri="{FF2B5EF4-FFF2-40B4-BE49-F238E27FC236}">
+                <a16:creationId xmlns:a16="http://schemas.microsoft.com/office/drawing/2014/main" id="{EDA327AF-FC4F-EAA9-14B5-EF74887CE098}"/>
+              </a:ext>
+            </a:extLst>
+          </p:cNvPr>
+          <p:cNvSpPr>
+            <a:spLocks noGrp="1"/>
+          </p:cNvSpPr>
+          <p:nvPr>
+            <p:ph idx="1"/>
+          </p:nvPr>
+        </p:nvSpPr>
+        <p:spPr/>
+        <p:txBody>
+          <a:bodyPr>
+            <a:normAutofit lnSpcReduction="10000"/>
+          </a:bodyPr>
+          <a:lstStyle/>
+          <a:p>
+            <a:r>
+              <a:rPr lang="en-US" dirty="0"/>
+              <a:t>Working with spreadsheets</a:t>
+            </a:r>
+          </a:p>
+          <a:p>
+            <a:pPr lvl="1"/>
+            <a:r>
+              <a:rPr lang="en-US" dirty="0"/>
+              <a:t>Selecting cells, selecting ranges, entering formulas</a:t>
+            </a:r>
+          </a:p>
+          <a:p>
+            <a:r>
+              <a:rPr lang="en-US" dirty="0"/>
+              <a:t>Mean</a:t>
+            </a:r>
+          </a:p>
+          <a:p>
+            <a:pPr lvl="1"/>
+            <a:r>
+              <a:rPr lang="en-US" dirty="0"/>
+              <a:t>=average()</a:t>
+            </a:r>
+          </a:p>
+          <a:p>
+            <a:r>
+              <a:rPr lang="en-US" dirty="0"/>
+              <a:t>Standard deviation</a:t>
+            </a:r>
+          </a:p>
+          <a:p>
+            <a:pPr lvl="1"/>
+            <a:r>
+              <a:rPr lang="en-US" dirty="0"/>
+              <a:t>=</a:t>
+            </a:r>
+            <a:r>
+              <a:rPr lang="en-US" dirty="0" err="1"/>
+              <a:t>stdev.s</a:t>
+            </a:r>
+            <a:r>
+              <a:rPr lang="en-US" dirty="0"/>
+              <a:t>()</a:t>
+            </a:r>
+          </a:p>
+          <a:p>
+            <a:r>
+              <a:rPr lang="en-US" dirty="0"/>
+              <a:t>Standard error</a:t>
+            </a:r>
+          </a:p>
+          <a:p>
+            <a:pPr lvl="1"/>
+            <a:r>
+              <a:rPr lang="en-US" dirty="0"/>
+              <a:t>SD/sqrt(n)</a:t>
+            </a:r>
+          </a:p>
+          <a:p>
+            <a:pPr lvl="1"/>
+            <a:r>
+              <a:rPr lang="en-US" dirty="0"/>
+              <a:t>Counting n</a:t>
+            </a:r>
+          </a:p>
+          <a:p>
+            <a:pPr lvl="1"/>
+            <a:r>
+              <a:rPr lang="en-US" dirty="0"/>
+              <a:t>Building a formula</a:t>
+            </a:r>
+          </a:p>
+        </p:txBody>
+      </p:sp>
+    </p:spTree>
+    <p:extLst>
+      <p:ext uri="{BB962C8B-B14F-4D97-AF65-F5344CB8AC3E}">
+        <p14:creationId xmlns:p14="http://schemas.microsoft.com/office/powerpoint/2010/main" val="835793293"/>
+      </p:ext>
+    </p:extLst>
+  </p:cSld>
+  <p:clrMapOvr>
+    <a:masterClrMapping/>
+  </p:clrMapOvr>
+</p:sld>
+</file>
+
+<file path=ppt/slides/slide4.xml><?xml version="1.0" encoding="utf-8"?>
+<p:sld xmlns:a="http://schemas.openxmlformats.org/drawingml/2006/main" xmlns:r="http://schemas.openxmlformats.org/officeDocument/2006/relationships" xmlns:p="http://schemas.openxmlformats.org/presentationml/2006/main">
+  <p:cSld>
+    <p:spTree>
+      <p:nvGrpSpPr>
+        <p:cNvPr id="1" name=""/>
+        <p:cNvGrpSpPr/>
+        <p:nvPr/>
+      </p:nvGrpSpPr>
+      <p:grpSpPr>
+        <a:xfrm>
+          <a:off x="0" y="0"/>
+          <a:ext cx="0" cy="0"/>
+          <a:chOff x="0" y="0"/>
+          <a:chExt cx="0" cy="0"/>
+        </a:xfrm>
+      </p:grpSpPr>
       <p:pic>
         <p:nvPicPr>
           <p:cNvPr id="1032" name="Picture 8">
@@ -4298,151 +4500,6 @@
 </p:sld>
 </file>
 
-<file path=ppt/slides/slide4.xml><?xml version="1.0" encoding="utf-8"?>
-<p:sld xmlns:a="http://schemas.openxmlformats.org/drawingml/2006/main" xmlns:r="http://schemas.openxmlformats.org/officeDocument/2006/relationships" xmlns:p="http://schemas.openxmlformats.org/presentationml/2006/main">
-  <p:cSld>
-    <p:spTree>
-      <p:nvGrpSpPr>
-        <p:cNvPr id="1" name=""/>
-        <p:cNvGrpSpPr/>
-        <p:nvPr/>
-      </p:nvGrpSpPr>
-      <p:grpSpPr>
-        <a:xfrm>
-          <a:off x="0" y="0"/>
-          <a:ext cx="0" cy="0"/>
-          <a:chOff x="0" y="0"/>
-          <a:chExt cx="0" cy="0"/>
-        </a:xfrm>
-      </p:grpSpPr>
-      <p:sp>
-        <p:nvSpPr>
-          <p:cNvPr id="2" name="Title 1">
-            <a:extLst>
-              <a:ext uri="{FF2B5EF4-FFF2-40B4-BE49-F238E27FC236}">
-                <a16:creationId xmlns:a16="http://schemas.microsoft.com/office/drawing/2014/main" id="{D26F1B35-E616-1902-15FE-E2986EDDB802}"/>
-              </a:ext>
-            </a:extLst>
-          </p:cNvPr>
-          <p:cNvSpPr>
-            <a:spLocks noGrp="1"/>
-          </p:cNvSpPr>
-          <p:nvPr>
-            <p:ph type="title"/>
-          </p:nvPr>
-        </p:nvSpPr>
-        <p:spPr/>
-        <p:txBody>
-          <a:bodyPr/>
-          <a:lstStyle/>
-          <a:p>
-            <a:r>
-              <a:rPr lang="en-US" dirty="0"/>
-              <a:t>Practical Inferential Statistics</a:t>
-            </a:r>
-          </a:p>
-        </p:txBody>
-      </p:sp>
-      <p:sp>
-        <p:nvSpPr>
-          <p:cNvPr id="3" name="Content Placeholder 2">
-            <a:extLst>
-              <a:ext uri="{FF2B5EF4-FFF2-40B4-BE49-F238E27FC236}">
-                <a16:creationId xmlns:a16="http://schemas.microsoft.com/office/drawing/2014/main" id="{64698043-D686-635E-353C-5DD757838782}"/>
-              </a:ext>
-            </a:extLst>
-          </p:cNvPr>
-          <p:cNvSpPr>
-            <a:spLocks noGrp="1"/>
-          </p:cNvSpPr>
-          <p:nvPr>
-            <p:ph idx="1"/>
-          </p:nvPr>
-        </p:nvSpPr>
-        <p:spPr/>
-        <p:txBody>
-          <a:bodyPr/>
-          <a:lstStyle/>
-          <a:p>
-            <a:r>
-              <a:rPr lang="en-US" dirty="0"/>
-              <a:t>Running a t-test on data</a:t>
-            </a:r>
-          </a:p>
-          <a:p>
-            <a:pPr lvl="1"/>
-            <a:r>
-              <a:rPr lang="en-US" dirty="0"/>
-              <a:t>Two independent samples t-test</a:t>
-            </a:r>
-          </a:p>
-          <a:p>
-            <a:pPr lvl="1"/>
-            <a:r>
-              <a:rPr lang="en-US" dirty="0"/>
-              <a:t>Assuming equal variances</a:t>
-            </a:r>
-          </a:p>
-          <a:p>
-            <a:pPr lvl="1"/>
-            <a:r>
-              <a:rPr lang="en-US" dirty="0"/>
-              <a:t>Applying a 2-tailed criterion</a:t>
-            </a:r>
-          </a:p>
-          <a:p>
-            <a:pPr lvl="2"/>
-            <a:r>
-              <a:rPr lang="en-US" dirty="0"/>
-              <a:t>Alpha = .05</a:t>
-            </a:r>
-          </a:p>
-          <a:p>
-            <a:pPr lvl="2"/>
-            <a:endParaRPr lang="en-US" dirty="0"/>
-          </a:p>
-          <a:p>
-            <a:r>
-              <a:rPr lang="en-US" dirty="0"/>
-              <a:t>Software</a:t>
-            </a:r>
-          </a:p>
-          <a:p>
-            <a:pPr lvl="1"/>
-            <a:r>
-              <a:rPr lang="en-US" dirty="0"/>
-              <a:t>R &amp; RStudio – free, highly accurate</a:t>
-            </a:r>
-          </a:p>
-          <a:p>
-            <a:pPr lvl="1"/>
-            <a:r>
-              <a:rPr lang="en-US" dirty="0"/>
-              <a:t>SPSS – expensive, highly accurate</a:t>
-            </a:r>
-          </a:p>
-          <a:p>
-            <a:pPr lvl="1"/>
-            <a:r>
-              <a:rPr lang="en-US" dirty="0"/>
-              <a:t>MS Excel – available, slightly inaccurate</a:t>
-            </a:r>
-          </a:p>
-        </p:txBody>
-      </p:sp>
-    </p:spTree>
-    <p:extLst>
-      <p:ext uri="{BB962C8B-B14F-4D97-AF65-F5344CB8AC3E}">
-        <p14:creationId xmlns:p14="http://schemas.microsoft.com/office/powerpoint/2010/main" val="382203812"/>
-      </p:ext>
-    </p:extLst>
-  </p:cSld>
-  <p:clrMapOvr>
-    <a:masterClrMapping/>
-  </p:clrMapOvr>
-</p:sld>
-</file>
-
 <file path=ppt/slides/slide5.xml><?xml version="1.0" encoding="utf-8"?>
 <p:sld xmlns:a="http://schemas.openxmlformats.org/drawingml/2006/main" xmlns:r="http://schemas.openxmlformats.org/officeDocument/2006/relationships" xmlns:p="http://schemas.openxmlformats.org/presentationml/2006/main">
   <p:cSld>
@@ -4465,7 +4522,7 @@
           <p:cNvPr id="2" name="Title 1">
             <a:extLst>
               <a:ext uri="{FF2B5EF4-FFF2-40B4-BE49-F238E27FC236}">
-                <a16:creationId xmlns:a16="http://schemas.microsoft.com/office/drawing/2014/main" id="{9B31C5FE-547C-68FE-9E4E-DA76238712F1}"/>
+                <a16:creationId xmlns:a16="http://schemas.microsoft.com/office/drawing/2014/main" id="{D26F1B35-E616-1902-15FE-E2986EDDB802}"/>
               </a:ext>
             </a:extLst>
           </p:cNvPr>
@@ -4483,7 +4540,7 @@
           <a:p>
             <a:r>
               <a:rPr lang="en-US" dirty="0"/>
-              <a:t>Using R</a:t>
+              <a:t>Practical Inferential Statistics</a:t>
             </a:r>
           </a:p>
         </p:txBody>
@@ -4493,7 +4550,7 @@
           <p:cNvPr id="3" name="Content Placeholder 2">
             <a:extLst>
               <a:ext uri="{FF2B5EF4-FFF2-40B4-BE49-F238E27FC236}">
-                <a16:creationId xmlns:a16="http://schemas.microsoft.com/office/drawing/2014/main" id="{40C00C6D-B729-B674-FFDF-47266A4FA819}"/>
+                <a16:creationId xmlns:a16="http://schemas.microsoft.com/office/drawing/2014/main" id="{64698043-D686-635E-353C-5DD757838782}"/>
               </a:ext>
             </a:extLst>
           </p:cNvPr>
@@ -4506,78 +4563,79 @@
         </p:nvSpPr>
         <p:spPr/>
         <p:txBody>
-          <a:bodyPr>
-            <a:normAutofit/>
-          </a:bodyPr>
-          <a:lstStyle/>
-          <a:p>
-            <a:r>
-              <a:rPr lang="en-US" dirty="0"/>
-              <a:t>Installing R</a:t>
+          <a:bodyPr/>
+          <a:lstStyle/>
+          <a:p>
+            <a:r>
+              <a:rPr lang="en-US" dirty="0"/>
+              <a:t>Running a t-test on data</a:t>
             </a:r>
           </a:p>
           <a:p>
             <a:pPr lvl="1"/>
             <a:r>
               <a:rPr lang="en-US" dirty="0"/>
-              <a:t>Installing RStudio</a:t>
+              <a:t>Two independent samples t-test</a:t>
             </a:r>
           </a:p>
           <a:p>
             <a:pPr lvl="1"/>
             <a:r>
               <a:rPr lang="en-US" dirty="0"/>
-              <a:t>Programming environment</a:t>
-            </a:r>
-          </a:p>
-          <a:p>
-            <a:r>
-              <a:rPr lang="en-US" dirty="0"/>
-              <a:t>Running commands</a:t>
-            </a:r>
-          </a:p>
-          <a:p>
-            <a:r>
-              <a:rPr lang="en-US" dirty="0"/>
-              <a:t>Multiple panes of information</a:t>
-            </a:r>
-          </a:p>
-          <a:p>
-            <a:r>
-              <a:rPr lang="en-US" dirty="0"/>
-              <a:t>Using the correctly formatted version of the data</a:t>
+              <a:t>Assuming equal variances</a:t>
             </a:r>
           </a:p>
           <a:p>
             <a:pPr lvl="1"/>
             <a:r>
               <a:rPr lang="en-US" dirty="0"/>
-              <a:t>The ‘.csv’ file is set up slightly differently</a:t>
-            </a:r>
-          </a:p>
-          <a:p>
-            <a:r>
-              <a:rPr lang="en-US" dirty="0"/>
-              <a:t>Following the given recipe</a:t>
+              <a:t>Applying a 2-tailed criterion</a:t>
+            </a:r>
+          </a:p>
+          <a:p>
+            <a:pPr lvl="2"/>
+            <a:r>
+              <a:rPr lang="en-US" dirty="0"/>
+              <a:t>Alpha = .05</a:t>
+            </a:r>
+          </a:p>
+          <a:p>
+            <a:pPr lvl="2"/>
+            <a:endParaRPr lang="en-US" dirty="0"/>
+          </a:p>
+          <a:p>
+            <a:r>
+              <a:rPr lang="en-US" dirty="0"/>
+              <a:t>Software</a:t>
             </a:r>
           </a:p>
           <a:p>
             <a:pPr lvl="1"/>
             <a:r>
               <a:rPr lang="en-US" dirty="0"/>
-              <a:t>Once everything is configured, just Run-&gt;</a:t>
+              <a:t>R &amp; RStudio – free, highly accurate</a:t>
             </a:r>
           </a:p>
           <a:p>
             <a:pPr lvl="1"/>
-            <a:endParaRPr lang="en-US" dirty="0"/>
+            <a:r>
+              <a:rPr lang="en-US" dirty="0"/>
+              <a:t>SPSS – expensive, highly accurate</a:t>
+            </a:r>
+          </a:p>
+          <a:p>
+            <a:pPr lvl="1"/>
+            <a:r>
+              <a:rPr lang="en-US" dirty="0"/>
+              <a:t>MS Excel – available, slightly inaccurate</a:t>
+            </a:r>
           </a:p>
         </p:txBody>
       </p:sp>
     </p:spTree>
     <p:extLst>
       <p:ext uri="{BB962C8B-B14F-4D97-AF65-F5344CB8AC3E}">
-        <p14:creationId xmlns:p14="http://schemas.microsoft.com/office/powerpoint/2010/main" val="1779783849"/>
+        <p14:creationId xmlns:p14="http://schemas.microsoft.com/office/powerpoint/2010/main" val="382203812"/>
       </p:ext>
     </p:extLst>
   </p:cSld>
@@ -4609,7 +4667,7 @@
           <p:cNvPr id="2" name="Title 1">
             <a:extLst>
               <a:ext uri="{FF2B5EF4-FFF2-40B4-BE49-F238E27FC236}">
-                <a16:creationId xmlns:a16="http://schemas.microsoft.com/office/drawing/2014/main" id="{51271F8C-AB59-145D-C32C-7F22B94B6B96}"/>
+                <a16:creationId xmlns:a16="http://schemas.microsoft.com/office/drawing/2014/main" id="{9B31C5FE-547C-68FE-9E4E-DA76238712F1}"/>
               </a:ext>
             </a:extLst>
           </p:cNvPr>
@@ -4627,7 +4685,7 @@
           <a:p>
             <a:r>
               <a:rPr lang="en-US" dirty="0"/>
-              <a:t>Reading statistical output</a:t>
+              <a:t>Using R</a:t>
             </a:r>
           </a:p>
         </p:txBody>
@@ -4637,7 +4695,7 @@
           <p:cNvPr id="3" name="Content Placeholder 2">
             <a:extLst>
               <a:ext uri="{FF2B5EF4-FFF2-40B4-BE49-F238E27FC236}">
-                <a16:creationId xmlns:a16="http://schemas.microsoft.com/office/drawing/2014/main" id="{EA38E0A2-966C-3520-B02D-7DFAF39F3154}"/>
+                <a16:creationId xmlns:a16="http://schemas.microsoft.com/office/drawing/2014/main" id="{40C00C6D-B729-B674-FFDF-47266A4FA819}"/>
               </a:ext>
             </a:extLst>
           </p:cNvPr>
@@ -4650,105 +4708,70 @@
         </p:nvSpPr>
         <p:spPr/>
         <p:txBody>
-          <a:bodyPr/>
-          <a:lstStyle/>
-          <a:p>
-            <a:r>
-              <a:rPr lang="en-US" dirty="0"/>
-              <a:t>All statistical programs produce a lot of information</a:t>
+          <a:bodyPr>
+            <a:normAutofit/>
+          </a:bodyPr>
+          <a:lstStyle/>
+          <a:p>
+            <a:r>
+              <a:rPr lang="en-US" dirty="0"/>
+              <a:t>Installing R</a:t>
             </a:r>
           </a:p>
           <a:p>
             <a:pPr lvl="1"/>
-            <a:endParaRPr lang="en-US" dirty="0"/>
-          </a:p>
-          <a:p>
-            <a:r>
-              <a:rPr lang="en-US" dirty="0"/>
-              <a:t>Communicating the results</a:t>
+            <a:r>
+              <a:rPr lang="en-US" dirty="0"/>
+              <a:t>Installing RStudio</a:t>
             </a:r>
           </a:p>
           <a:p>
             <a:pPr lvl="1"/>
             <a:r>
               <a:rPr lang="en-US" dirty="0"/>
-              <a:t>Parsing the output</a:t>
+              <a:t>Programming environment</a:t>
+            </a:r>
+          </a:p>
+          <a:p>
+            <a:r>
+              <a:rPr lang="en-US" dirty="0"/>
+              <a:t>Running commands</a:t>
+            </a:r>
+          </a:p>
+          <a:p>
+            <a:r>
+              <a:rPr lang="en-US" dirty="0"/>
+              <a:t>Multiple panes of information</a:t>
+            </a:r>
+          </a:p>
+          <a:p>
+            <a:r>
+              <a:rPr lang="en-US" dirty="0"/>
+              <a:t>Using the correctly formatted version of the data</a:t>
             </a:r>
           </a:p>
           <a:p>
             <a:pPr lvl="1"/>
             <a:r>
               <a:rPr lang="en-US" dirty="0"/>
-              <a:t>Selecting the correct values</a:t>
+              <a:t>The ‘.csv’ file is set up slightly differently</a:t>
+            </a:r>
+          </a:p>
+          <a:p>
+            <a:r>
+              <a:rPr lang="en-US" dirty="0"/>
+              <a:t>Following the given recipe</a:t>
             </a:r>
           </a:p>
           <a:p>
             <a:pPr lvl="1"/>
             <a:r>
               <a:rPr lang="en-US" dirty="0"/>
-              <a:t>Reporting in APA format</a:t>
+              <a:t>Once everything is configured, just Run-&gt;</a:t>
             </a:r>
           </a:p>
           <a:p>
             <a:pPr lvl="1"/>
-            <a:endParaRPr lang="en-US" dirty="0"/>
-          </a:p>
-          <a:p>
-            <a:r>
-              <a:rPr lang="en-US" i="1" dirty="0"/>
-              <a:t>t</a:t>
-            </a:r>
-            <a:r>
-              <a:rPr lang="en-US" dirty="0"/>
-              <a:t>(</a:t>
-            </a:r>
-            <a:r>
-              <a:rPr lang="en-US" dirty="0" err="1"/>
-              <a:t>df</a:t>
-            </a:r>
-            <a:r>
-              <a:rPr lang="en-US" dirty="0"/>
-              <a:t>) = X.XX, </a:t>
-            </a:r>
-            <a:r>
-              <a:rPr lang="en-US" i="1" dirty="0"/>
-              <a:t>p</a:t>
-            </a:r>
-            <a:r>
-              <a:rPr lang="en-US" dirty="0"/>
-              <a:t> &lt; .YYY</a:t>
-            </a:r>
-          </a:p>
-          <a:p>
-            <a:pPr lvl="1"/>
-            <a:r>
-              <a:rPr lang="en-US" i="1" dirty="0"/>
-              <a:t>t</a:t>
-            </a:r>
-            <a:r>
-              <a:rPr lang="en-US" dirty="0"/>
-              <a:t>(</a:t>
-            </a:r>
-            <a:r>
-              <a:rPr lang="en-US" dirty="0" err="1"/>
-              <a:t>df</a:t>
-            </a:r>
-            <a:r>
-              <a:rPr lang="en-US" dirty="0"/>
-              <a:t>) = X.XX, </a:t>
-            </a:r>
-            <a:r>
-              <a:rPr lang="en-US" i="1" dirty="0"/>
-              <a:t>p</a:t>
-            </a:r>
-            <a:r>
-              <a:rPr lang="en-US" dirty="0"/>
-              <a:t> = .</a:t>
-            </a:r>
-            <a:r>
-              <a:rPr lang="en-US" dirty="0" err="1"/>
-              <a:t>yyy</a:t>
-            </a:r>
             <a:endParaRPr lang="en-US" dirty="0"/>
           </a:p>
         </p:txBody>
@@ -4756,7 +4779,7 @@
     </p:spTree>
     <p:extLst>
       <p:ext uri="{BB962C8B-B14F-4D97-AF65-F5344CB8AC3E}">
-        <p14:creationId xmlns:p14="http://schemas.microsoft.com/office/powerpoint/2010/main" val="3530333791"/>
+        <p14:creationId xmlns:p14="http://schemas.microsoft.com/office/powerpoint/2010/main" val="1779783849"/>
       </p:ext>
     </p:extLst>
   </p:cSld>
@@ -4788,7 +4811,7 @@
           <p:cNvPr id="2" name="Title 1">
             <a:extLst>
               <a:ext uri="{FF2B5EF4-FFF2-40B4-BE49-F238E27FC236}">
-                <a16:creationId xmlns:a16="http://schemas.microsoft.com/office/drawing/2014/main" id="{99D1E14B-5BB3-8AFF-B842-E10F52799B85}"/>
+                <a16:creationId xmlns:a16="http://schemas.microsoft.com/office/drawing/2014/main" id="{51271F8C-AB59-145D-C32C-7F22B94B6B96}"/>
               </a:ext>
             </a:extLst>
           </p:cNvPr>
@@ -4806,7 +4829,7 @@
           <a:p>
             <a:r>
               <a:rPr lang="en-US" dirty="0"/>
-              <a:t>Writing your results section</a:t>
+              <a:t>Reading statistical output</a:t>
             </a:r>
           </a:p>
         </p:txBody>
@@ -4816,7 +4839,7 @@
           <p:cNvPr id="3" name="Content Placeholder 2">
             <a:extLst>
               <a:ext uri="{FF2B5EF4-FFF2-40B4-BE49-F238E27FC236}">
-                <a16:creationId xmlns:a16="http://schemas.microsoft.com/office/drawing/2014/main" id="{4FA209DA-9725-6353-37ED-D7514C873467}"/>
+                <a16:creationId xmlns:a16="http://schemas.microsoft.com/office/drawing/2014/main" id="{EA38E0A2-966C-3520-B02D-7DFAF39F3154}"/>
               </a:ext>
             </a:extLst>
           </p:cNvPr>
@@ -4834,49 +4857,108 @@
           <a:p>
             <a:r>
               <a:rPr lang="en-US" dirty="0"/>
-              <a:t>Includes both descriptive and inferential statistics</a:t>
-            </a:r>
-          </a:p>
-          <a:p>
-            <a:r>
-              <a:rPr lang="en-US" dirty="0"/>
-              <a:t>Give the performance of both groups</a:t>
-            </a:r>
-          </a:p>
-          <a:p>
-            <a:r>
-              <a:rPr lang="en-US" dirty="0"/>
-              <a:t>State the direction of the effect</a:t>
-            </a:r>
-          </a:p>
-          <a:p>
-            <a:r>
-              <a:rPr lang="en-US" dirty="0"/>
-              <a:t>Support with inferential statistics</a:t>
-            </a:r>
-          </a:p>
-          <a:p>
+              <a:t>All statistical programs produce a lot of information</a:t>
+            </a:r>
+          </a:p>
+          <a:p>
+            <a:pPr lvl="1"/>
             <a:endParaRPr lang="en-US" dirty="0"/>
           </a:p>
           <a:p>
             <a:r>
               <a:rPr lang="en-US" dirty="0"/>
-              <a:t>Very compact, but high-risk</a:t>
+              <a:t>Communicating the results</a:t>
             </a:r>
           </a:p>
           <a:p>
             <a:pPr lvl="1"/>
             <a:r>
               <a:rPr lang="en-US" dirty="0"/>
-              <a:t>Triple check your numbers</a:t>
-            </a:r>
+              <a:t>Parsing the output</a:t>
+            </a:r>
+          </a:p>
+          <a:p>
+            <a:pPr lvl="1"/>
+            <a:r>
+              <a:rPr lang="en-US" dirty="0"/>
+              <a:t>Selecting the correct values</a:t>
+            </a:r>
+          </a:p>
+          <a:p>
+            <a:pPr lvl="1"/>
+            <a:r>
+              <a:rPr lang="en-US" dirty="0"/>
+              <a:t>Reporting in APA format</a:t>
+            </a:r>
+          </a:p>
+          <a:p>
+            <a:pPr lvl="1"/>
+            <a:endParaRPr lang="en-US" dirty="0"/>
+          </a:p>
+          <a:p>
+            <a:r>
+              <a:rPr lang="en-US" i="1" dirty="0"/>
+              <a:t>t</a:t>
+            </a:r>
+            <a:r>
+              <a:rPr lang="en-US" dirty="0"/>
+              <a:t>(</a:t>
+            </a:r>
+            <a:r>
+              <a:rPr lang="en-US" dirty="0" err="1"/>
+              <a:t>df</a:t>
+            </a:r>
+            <a:r>
+              <a:rPr lang="en-US" dirty="0"/>
+              <a:t>) = X.XX, </a:t>
+            </a:r>
+            <a:r>
+              <a:rPr lang="en-US" i="1" dirty="0"/>
+              <a:t>p</a:t>
+            </a:r>
+            <a:r>
+              <a:rPr lang="en-US" dirty="0"/>
+              <a:t> &lt; .YYY</a:t>
+            </a:r>
+          </a:p>
+          <a:p>
+            <a:pPr lvl="1"/>
+            <a:r>
+              <a:rPr lang="en-US" i="1" dirty="0"/>
+              <a:t>t</a:t>
+            </a:r>
+            <a:r>
+              <a:rPr lang="en-US" dirty="0"/>
+              <a:t>(</a:t>
+            </a:r>
+            <a:r>
+              <a:rPr lang="en-US" dirty="0" err="1"/>
+              <a:t>df</a:t>
+            </a:r>
+            <a:r>
+              <a:rPr lang="en-US" dirty="0"/>
+              <a:t>) = X.XX, </a:t>
+            </a:r>
+            <a:r>
+              <a:rPr lang="en-US" i="1" dirty="0"/>
+              <a:t>p</a:t>
+            </a:r>
+            <a:r>
+              <a:rPr lang="en-US" dirty="0"/>
+              <a:t> = .</a:t>
+            </a:r>
+            <a:r>
+              <a:rPr lang="en-US" dirty="0" err="1"/>
+              <a:t>yyy</a:t>
+            </a:r>
+            <a:endParaRPr lang="en-US" dirty="0"/>
           </a:p>
         </p:txBody>
       </p:sp>
     </p:spTree>
     <p:extLst>
       <p:ext uri="{BB962C8B-B14F-4D97-AF65-F5344CB8AC3E}">
-        <p14:creationId xmlns:p14="http://schemas.microsoft.com/office/powerpoint/2010/main" val="1156680621"/>
+        <p14:creationId xmlns:p14="http://schemas.microsoft.com/office/powerpoint/2010/main" val="3530333791"/>
       </p:ext>
     </p:extLst>
   </p:cSld>
@@ -4908,7 +4990,7 @@
           <p:cNvPr id="2" name="Title 1">
             <a:extLst>
               <a:ext uri="{FF2B5EF4-FFF2-40B4-BE49-F238E27FC236}">
-                <a16:creationId xmlns:a16="http://schemas.microsoft.com/office/drawing/2014/main" id="{A3AD48A5-14B0-3A4B-6407-06CA9F54FDFA}"/>
+                <a16:creationId xmlns:a16="http://schemas.microsoft.com/office/drawing/2014/main" id="{99D1E14B-5BB3-8AFF-B842-E10F52799B85}"/>
               </a:ext>
             </a:extLst>
           </p:cNvPr>
@@ -4926,7 +5008,7 @@
           <a:p>
             <a:r>
               <a:rPr lang="en-US" dirty="0"/>
-              <a:t>Fill in the reporting template</a:t>
+              <a:t>Writing your results section</a:t>
             </a:r>
           </a:p>
         </p:txBody>
@@ -4936,7 +5018,7 @@
           <p:cNvPr id="3" name="Content Placeholder 2">
             <a:extLst>
               <a:ext uri="{FF2B5EF4-FFF2-40B4-BE49-F238E27FC236}">
-                <a16:creationId xmlns:a16="http://schemas.microsoft.com/office/drawing/2014/main" id="{92BAA42D-E153-5BD1-407A-A38BD347E472}"/>
+                <a16:creationId xmlns:a16="http://schemas.microsoft.com/office/drawing/2014/main" id="{4FA209DA-9725-6353-37ED-D7514C873467}"/>
               </a:ext>
             </a:extLst>
           </p:cNvPr>
@@ -4949,150 +5031,46 @@
         </p:nvSpPr>
         <p:spPr/>
         <p:txBody>
-          <a:bodyPr>
-            <a:normAutofit lnSpcReduction="10000"/>
-          </a:bodyPr>
-          <a:lstStyle/>
-          <a:p>
-            <a:r>
-              <a:rPr lang="en-US" dirty="0">
-                <a:cs typeface="Times New Roman" pitchFamily="18" charset="0"/>
-              </a:rPr>
-              <a:t>“On the recognition test, the </a:t>
-            </a:r>
-            <a:r>
-              <a:rPr lang="en-US" i="1" dirty="0">
-                <a:cs typeface="Times New Roman" pitchFamily="18" charset="0"/>
-              </a:rPr>
-              <a:t>Condition-A</a:t>
-            </a:r>
-            <a:r>
-              <a:rPr lang="en-US" dirty="0">
-                <a:cs typeface="Times New Roman" pitchFamily="18" charset="0"/>
-              </a:rPr>
-              <a:t> participants </a:t>
-            </a:r>
-            <a:r>
-              <a:rPr lang="en-US" i="1" dirty="0">
-                <a:cs typeface="Times New Roman" pitchFamily="18" charset="0"/>
-              </a:rPr>
-              <a:t>exhibited performance</a:t>
-            </a:r>
-            <a:r>
-              <a:rPr lang="en-US" dirty="0">
-                <a:cs typeface="Times New Roman" pitchFamily="18" charset="0"/>
-              </a:rPr>
-              <a:t> of XXX </a:t>
-            </a:r>
-            <a:r>
-              <a:rPr lang="en-US" i="1" dirty="0">
-                <a:cs typeface="Times New Roman" pitchFamily="18" charset="0"/>
-              </a:rPr>
-              <a:t>[units]</a:t>
-            </a:r>
-            <a:r>
-              <a:rPr lang="en-US" dirty="0">
-                <a:cs typeface="Times New Roman" pitchFamily="18" charset="0"/>
-              </a:rPr>
-              <a:t> (SD XX; SE XX) while the </a:t>
-            </a:r>
-            <a:r>
-              <a:rPr lang="en-US" i="1" dirty="0">
-                <a:cs typeface="Times New Roman" pitchFamily="18" charset="0"/>
-              </a:rPr>
-              <a:t>Condition-B</a:t>
-            </a:r>
-            <a:r>
-              <a:rPr lang="en-US" dirty="0">
-                <a:cs typeface="Times New Roman" pitchFamily="18" charset="0"/>
-              </a:rPr>
-              <a:t> participants </a:t>
-            </a:r>
-            <a:r>
-              <a:rPr lang="en-US" i="1" dirty="0">
-                <a:cs typeface="Times New Roman" pitchFamily="18" charset="0"/>
-              </a:rPr>
-              <a:t>exhibited performance</a:t>
-            </a:r>
-            <a:r>
-              <a:rPr lang="en-US" dirty="0">
-                <a:cs typeface="Times New Roman" pitchFamily="18" charset="0"/>
-              </a:rPr>
-              <a:t> of XXX </a:t>
-            </a:r>
-            <a:r>
-              <a:rPr lang="en-US" i="1" dirty="0">
-                <a:cs typeface="Times New Roman" pitchFamily="18" charset="0"/>
-              </a:rPr>
-              <a:t>[units]</a:t>
-            </a:r>
-            <a:r>
-              <a:rPr lang="en-US" dirty="0">
-                <a:cs typeface="Times New Roman" pitchFamily="18" charset="0"/>
-              </a:rPr>
-              <a:t> (SD XX; SE XX).  The </a:t>
-            </a:r>
-            <a:r>
-              <a:rPr lang="en-US" i="1" dirty="0">
-                <a:cs typeface="Times New Roman" pitchFamily="18" charset="0"/>
-              </a:rPr>
-              <a:t>Condition-A </a:t>
-            </a:r>
-            <a:r>
-              <a:rPr lang="en-US" dirty="0">
-                <a:cs typeface="Times New Roman" pitchFamily="18" charset="0"/>
-              </a:rPr>
-              <a:t>group performed significantly better than the </a:t>
-            </a:r>
-            <a:r>
-              <a:rPr lang="en-US" i="1" dirty="0">
-                <a:cs typeface="Times New Roman" pitchFamily="18" charset="0"/>
-              </a:rPr>
-              <a:t>Condition-B</a:t>
-            </a:r>
-            <a:r>
-              <a:rPr lang="en-US" dirty="0">
-                <a:cs typeface="Times New Roman" pitchFamily="18" charset="0"/>
-              </a:rPr>
-              <a:t> group, t(xx)=ZZZ, p&lt;YYY.” </a:t>
-            </a:r>
+          <a:bodyPr/>
+          <a:lstStyle/>
+          <a:p>
+            <a:r>
+              <a:rPr lang="en-US" dirty="0"/>
+              <a:t>Includes both descriptive and inferential statistics</a:t>
+            </a:r>
+          </a:p>
+          <a:p>
+            <a:r>
+              <a:rPr lang="en-US" dirty="0"/>
+              <a:t>Give the performance of both groups</a:t>
+            </a:r>
+          </a:p>
+          <a:p>
+            <a:r>
+              <a:rPr lang="en-US" dirty="0"/>
+              <a:t>State the direction of the effect</a:t>
+            </a:r>
+          </a:p>
+          <a:p>
+            <a:r>
+              <a:rPr lang="en-US" dirty="0"/>
+              <a:t>Support with inferential statistics</a:t>
+            </a:r>
+          </a:p>
+          <a:p>
             <a:endParaRPr lang="en-US" dirty="0"/>
           </a:p>
           <a:p>
-            <a:endParaRPr lang="en-US" dirty="0"/>
-          </a:p>
-          <a:p>
-            <a:r>
-              <a:rPr lang="en-US" dirty="0"/>
-              <a:t>Replace</a:t>
+            <a:r>
+              <a:rPr lang="en-US" dirty="0"/>
+              <a:t>Very compact, but high-risk</a:t>
             </a:r>
           </a:p>
           <a:p>
             <a:pPr lvl="1"/>
             <a:r>
               <a:rPr lang="en-US" dirty="0"/>
-              <a:t>Condition-A, Condition-B</a:t>
-            </a:r>
-          </a:p>
-          <a:p>
-            <a:pPr lvl="1"/>
-            <a:r>
-              <a:rPr lang="en-US" dirty="0"/>
-              <a:t>Optionally: ‘exhibited performance’</a:t>
-            </a:r>
-          </a:p>
-          <a:p>
-            <a:pPr lvl="1"/>
-            <a:r>
-              <a:rPr lang="en-US" dirty="0"/>
-              <a:t>Include ‘units’</a:t>
-            </a:r>
-          </a:p>
-          <a:p>
-            <a:pPr lvl="1"/>
-            <a:r>
-              <a:rPr lang="en-US" dirty="0"/>
-              <a:t>Add all the numbers, descriptive and inferential</a:t>
+              <a:t>Triple check your numbers</a:t>
             </a:r>
           </a:p>
         </p:txBody>
@@ -5100,7 +5078,7 @@
     </p:spTree>
     <p:extLst>
       <p:ext uri="{BB962C8B-B14F-4D97-AF65-F5344CB8AC3E}">
-        <p14:creationId xmlns:p14="http://schemas.microsoft.com/office/powerpoint/2010/main" val="3588015594"/>
+        <p14:creationId xmlns:p14="http://schemas.microsoft.com/office/powerpoint/2010/main" val="1156680621"/>
       </p:ext>
     </p:extLst>
   </p:cSld>
@@ -5132,7 +5110,7 @@
           <p:cNvPr id="2" name="Title 1">
             <a:extLst>
               <a:ext uri="{FF2B5EF4-FFF2-40B4-BE49-F238E27FC236}">
-                <a16:creationId xmlns:a16="http://schemas.microsoft.com/office/drawing/2014/main" id="{27675538-7CF1-4357-B9AF-215330F8A751}"/>
+                <a16:creationId xmlns:a16="http://schemas.microsoft.com/office/drawing/2014/main" id="{A3AD48A5-14B0-3A4B-6407-06CA9F54FDFA}"/>
               </a:ext>
             </a:extLst>
           </p:cNvPr>
@@ -5150,7 +5128,7 @@
           <a:p>
             <a:r>
               <a:rPr lang="en-US" dirty="0"/>
-              <a:t>Making a figure</a:t>
+              <a:t>Fill in the reporting template</a:t>
             </a:r>
           </a:p>
         </p:txBody>
@@ -5160,7 +5138,7 @@
           <p:cNvPr id="3" name="Content Placeholder 2">
             <a:extLst>
               <a:ext uri="{FF2B5EF4-FFF2-40B4-BE49-F238E27FC236}">
-                <a16:creationId xmlns:a16="http://schemas.microsoft.com/office/drawing/2014/main" id="{A1983F20-FDBA-15D3-E599-F84D0926F1AE}"/>
+                <a16:creationId xmlns:a16="http://schemas.microsoft.com/office/drawing/2014/main" id="{92BAA42D-E153-5BD1-407A-A38BD347E472}"/>
               </a:ext>
             </a:extLst>
           </p:cNvPr>
@@ -5173,64 +5151,150 @@
         </p:nvSpPr>
         <p:spPr/>
         <p:txBody>
-          <a:bodyPr/>
-          <a:lstStyle/>
-          <a:p>
-            <a:r>
-              <a:rPr lang="en-US" dirty="0"/>
-              <a:t>Back to Excel</a:t>
-            </a:r>
-          </a:p>
-          <a:p>
-            <a:r>
-              <a:rPr lang="en-US" dirty="0"/>
-              <a:t>Getting a basic graph is straightforward</a:t>
-            </a:r>
-          </a:p>
-          <a:p>
-            <a:r>
-              <a:rPr lang="en-US" dirty="0"/>
-              <a:t>Necessary edits</a:t>
+          <a:bodyPr>
+            <a:normAutofit lnSpcReduction="10000"/>
+          </a:bodyPr>
+          <a:lstStyle/>
+          <a:p>
+            <a:r>
+              <a:rPr lang="en-US" dirty="0">
+                <a:cs typeface="Times New Roman" pitchFamily="18" charset="0"/>
+              </a:rPr>
+              <a:t>“On the recognition test, the </a:t>
+            </a:r>
+            <a:r>
+              <a:rPr lang="en-US" i="1" dirty="0">
+                <a:cs typeface="Times New Roman" pitchFamily="18" charset="0"/>
+              </a:rPr>
+              <a:t>Condition-A</a:t>
+            </a:r>
+            <a:r>
+              <a:rPr lang="en-US" dirty="0">
+                <a:cs typeface="Times New Roman" pitchFamily="18" charset="0"/>
+              </a:rPr>
+              <a:t> participants </a:t>
+            </a:r>
+            <a:r>
+              <a:rPr lang="en-US" i="1" dirty="0">
+                <a:cs typeface="Times New Roman" pitchFamily="18" charset="0"/>
+              </a:rPr>
+              <a:t>exhibited performance</a:t>
+            </a:r>
+            <a:r>
+              <a:rPr lang="en-US" dirty="0">
+                <a:cs typeface="Times New Roman" pitchFamily="18" charset="0"/>
+              </a:rPr>
+              <a:t> of XXX </a:t>
+            </a:r>
+            <a:r>
+              <a:rPr lang="en-US" i="1" dirty="0">
+                <a:cs typeface="Times New Roman" pitchFamily="18" charset="0"/>
+              </a:rPr>
+              <a:t>[units]</a:t>
+            </a:r>
+            <a:r>
+              <a:rPr lang="en-US" dirty="0">
+                <a:cs typeface="Times New Roman" pitchFamily="18" charset="0"/>
+              </a:rPr>
+              <a:t> (SD XX; SE XX) while the </a:t>
+            </a:r>
+            <a:r>
+              <a:rPr lang="en-US" i="1" dirty="0">
+                <a:cs typeface="Times New Roman" pitchFamily="18" charset="0"/>
+              </a:rPr>
+              <a:t>Condition-B</a:t>
+            </a:r>
+            <a:r>
+              <a:rPr lang="en-US" dirty="0">
+                <a:cs typeface="Times New Roman" pitchFamily="18" charset="0"/>
+              </a:rPr>
+              <a:t> participants </a:t>
+            </a:r>
+            <a:r>
+              <a:rPr lang="en-US" i="1" dirty="0">
+                <a:cs typeface="Times New Roman" pitchFamily="18" charset="0"/>
+              </a:rPr>
+              <a:t>exhibited performance</a:t>
+            </a:r>
+            <a:r>
+              <a:rPr lang="en-US" dirty="0">
+                <a:cs typeface="Times New Roman" pitchFamily="18" charset="0"/>
+              </a:rPr>
+              <a:t> of XXX </a:t>
+            </a:r>
+            <a:r>
+              <a:rPr lang="en-US" i="1" dirty="0">
+                <a:cs typeface="Times New Roman" pitchFamily="18" charset="0"/>
+              </a:rPr>
+              <a:t>[units]</a:t>
+            </a:r>
+            <a:r>
+              <a:rPr lang="en-US" dirty="0">
+                <a:cs typeface="Times New Roman" pitchFamily="18" charset="0"/>
+              </a:rPr>
+              <a:t> (SD XX; SE XX).  The </a:t>
+            </a:r>
+            <a:r>
+              <a:rPr lang="en-US" i="1" dirty="0">
+                <a:cs typeface="Times New Roman" pitchFamily="18" charset="0"/>
+              </a:rPr>
+              <a:t>Condition-A </a:t>
+            </a:r>
+            <a:r>
+              <a:rPr lang="en-US" dirty="0">
+                <a:cs typeface="Times New Roman" pitchFamily="18" charset="0"/>
+              </a:rPr>
+              <a:t>group performed significantly better than the </a:t>
+            </a:r>
+            <a:r>
+              <a:rPr lang="en-US" i="1" dirty="0">
+                <a:cs typeface="Times New Roman" pitchFamily="18" charset="0"/>
+              </a:rPr>
+              <a:t>Condition-B</a:t>
+            </a:r>
+            <a:r>
+              <a:rPr lang="en-US" dirty="0">
+                <a:cs typeface="Times New Roman" pitchFamily="18" charset="0"/>
+              </a:rPr>
+              <a:t> group, t(xx)=ZZZ, p&lt;YYY.” </a:t>
+            </a:r>
+            <a:endParaRPr lang="en-US" dirty="0"/>
+          </a:p>
+          <a:p>
+            <a:endParaRPr lang="en-US" dirty="0"/>
+          </a:p>
+          <a:p>
+            <a:r>
+              <a:rPr lang="en-US" dirty="0"/>
+              <a:t>Replace</a:t>
             </a:r>
           </a:p>
           <a:p>
             <a:pPr lvl="1"/>
             <a:r>
               <a:rPr lang="en-US" dirty="0"/>
-              <a:t>Label the y-axis</a:t>
+              <a:t>Condition-A, Condition-B</a:t>
             </a:r>
           </a:p>
           <a:p>
             <a:pPr lvl="1"/>
             <a:r>
               <a:rPr lang="en-US" dirty="0"/>
-              <a:t>Add SE bars</a:t>
-            </a:r>
-          </a:p>
-          <a:p>
-            <a:r>
-              <a:rPr lang="en-US" dirty="0"/>
-              <a:t>Recommended edits</a:t>
+              <a:t>Optionally: ‘exhibited performance’</a:t>
             </a:r>
           </a:p>
           <a:p>
             <a:pPr lvl="1"/>
             <a:r>
               <a:rPr lang="en-US" dirty="0"/>
-              <a:t>Remove title, gridlines</a:t>
-            </a:r>
-          </a:p>
-          <a:p>
-            <a:r>
-              <a:rPr lang="en-US" dirty="0"/>
-              <a:t>Optional edits</a:t>
+              <a:t>Include ‘units’</a:t>
             </a:r>
           </a:p>
           <a:p>
             <a:pPr lvl="1"/>
             <a:r>
               <a:rPr lang="en-US" dirty="0"/>
-              <a:t>Colors, layout, design</a:t>
+              <a:t>Add all the numbers, descriptive and inferential</a:t>
             </a:r>
           </a:p>
         </p:txBody>
@@ -5238,7 +5302,7 @@
     </p:spTree>
     <p:extLst>
       <p:ext uri="{BB962C8B-B14F-4D97-AF65-F5344CB8AC3E}">
-        <p14:creationId xmlns:p14="http://schemas.microsoft.com/office/powerpoint/2010/main" val="3452431572"/>
+        <p14:creationId xmlns:p14="http://schemas.microsoft.com/office/powerpoint/2010/main" val="3588015594"/>
       </p:ext>
     </p:extLst>
   </p:cSld>
